--- a/Graphics/Source.pptx
+++ b/Graphics/Source.pptx
@@ -288,7 +288,7 @@
           <a:p>
             <a:fld id="{4EB55246-26D4-B843-A31D-0832833747D9}" type="datetimeFigureOut">
               <a:rPr lang="en-US" smtClean="0"/>
-              <a:t>6/14/17</a:t>
+              <a:t>7/26/17</a:t>
             </a:fld>
             <a:endParaRPr lang="en-US"/>
           </a:p>
@@ -458,7 +458,7 @@
           <a:p>
             <a:fld id="{4EB55246-26D4-B843-A31D-0832833747D9}" type="datetimeFigureOut">
               <a:rPr lang="en-US" smtClean="0"/>
-              <a:t>6/14/17</a:t>
+              <a:t>7/26/17</a:t>
             </a:fld>
             <a:endParaRPr lang="en-US"/>
           </a:p>
@@ -638,7 +638,7 @@
           <a:p>
             <a:fld id="{4EB55246-26D4-B843-A31D-0832833747D9}" type="datetimeFigureOut">
               <a:rPr lang="en-US" smtClean="0"/>
-              <a:t>6/14/17</a:t>
+              <a:t>7/26/17</a:t>
             </a:fld>
             <a:endParaRPr lang="en-US"/>
           </a:p>
@@ -808,7 +808,7 @@
           <a:p>
             <a:fld id="{4EB55246-26D4-B843-A31D-0832833747D9}" type="datetimeFigureOut">
               <a:rPr lang="en-US" smtClean="0"/>
-              <a:t>6/14/17</a:t>
+              <a:t>7/26/17</a:t>
             </a:fld>
             <a:endParaRPr lang="en-US"/>
           </a:p>
@@ -1054,7 +1054,7 @@
           <a:p>
             <a:fld id="{4EB55246-26D4-B843-A31D-0832833747D9}" type="datetimeFigureOut">
               <a:rPr lang="en-US" smtClean="0"/>
-              <a:t>6/14/17</a:t>
+              <a:t>7/26/17</a:t>
             </a:fld>
             <a:endParaRPr lang="en-US"/>
           </a:p>
@@ -1342,7 +1342,7 @@
           <a:p>
             <a:fld id="{4EB55246-26D4-B843-A31D-0832833747D9}" type="datetimeFigureOut">
               <a:rPr lang="en-US" smtClean="0"/>
-              <a:t>6/14/17</a:t>
+              <a:t>7/26/17</a:t>
             </a:fld>
             <a:endParaRPr lang="en-US"/>
           </a:p>
@@ -1764,7 +1764,7 @@
           <a:p>
             <a:fld id="{4EB55246-26D4-B843-A31D-0832833747D9}" type="datetimeFigureOut">
               <a:rPr lang="en-US" smtClean="0"/>
-              <a:t>6/14/17</a:t>
+              <a:t>7/26/17</a:t>
             </a:fld>
             <a:endParaRPr lang="en-US"/>
           </a:p>
@@ -1882,7 +1882,7 @@
           <a:p>
             <a:fld id="{4EB55246-26D4-B843-A31D-0832833747D9}" type="datetimeFigureOut">
               <a:rPr lang="en-US" smtClean="0"/>
-              <a:t>6/14/17</a:t>
+              <a:t>7/26/17</a:t>
             </a:fld>
             <a:endParaRPr lang="en-US"/>
           </a:p>
@@ -1977,7 +1977,7 @@
           <a:p>
             <a:fld id="{4EB55246-26D4-B843-A31D-0832833747D9}" type="datetimeFigureOut">
               <a:rPr lang="en-US" smtClean="0"/>
-              <a:t>6/14/17</a:t>
+              <a:t>7/26/17</a:t>
             </a:fld>
             <a:endParaRPr lang="en-US"/>
           </a:p>
@@ -2254,7 +2254,7 @@
           <a:p>
             <a:fld id="{4EB55246-26D4-B843-A31D-0832833747D9}" type="datetimeFigureOut">
               <a:rPr lang="en-US" smtClean="0"/>
-              <a:t>6/14/17</a:t>
+              <a:t>7/26/17</a:t>
             </a:fld>
             <a:endParaRPr lang="en-US"/>
           </a:p>
@@ -2507,7 +2507,7 @@
           <a:p>
             <a:fld id="{4EB55246-26D4-B843-A31D-0832833747D9}" type="datetimeFigureOut">
               <a:rPr lang="en-US" smtClean="0"/>
-              <a:t>6/14/17</a:t>
+              <a:t>7/26/17</a:t>
             </a:fld>
             <a:endParaRPr lang="en-US"/>
           </a:p>
@@ -2720,7 +2720,7 @@
           <a:p>
             <a:fld id="{4EB55246-26D4-B843-A31D-0832833747D9}" type="datetimeFigureOut">
               <a:rPr lang="en-US" smtClean="0"/>
-              <a:t>6/14/17</a:t>
+              <a:t>7/26/17</a:t>
             </a:fld>
             <a:endParaRPr lang="en-US"/>
           </a:p>
@@ -3222,17 +3222,7 @@
                 <a:latin typeface="Times New Roman"/>
                 <a:cs typeface="Times New Roman"/>
               </a:rPr>
-              <a:t>Cross-Platform, </a:t>
-            </a:r>
-            <a:r>
-              <a:rPr lang="en-US" u="sng" dirty="0" smtClean="0">
-                <a:solidFill>
-                  <a:srgbClr val="000000"/>
-                </a:solidFill>
-                <a:latin typeface="Times New Roman"/>
-                <a:cs typeface="Times New Roman"/>
-              </a:rPr>
-              <a:t>Shared Codebase</a:t>
+              <a:t>Cross-Platform, Shared Codebase</a:t>
             </a:r>
           </a:p>
           <a:p>
@@ -3281,14 +3271,34 @@
               <a:buChar char="•"/>
             </a:pPr>
             <a:r>
-              <a:rPr lang="en-US" sz="1400" dirty="0" smtClean="0">
+              <a:rPr lang="en-US" sz="1400" dirty="0">
                 <a:solidFill>
                   <a:srgbClr val="000000"/>
                 </a:solidFill>
                 <a:latin typeface="Times New Roman"/>
                 <a:cs typeface="Times New Roman"/>
               </a:rPr>
-              <a:t>REaDI Sense study management</a:t>
+              <a:t>s</a:t>
+            </a:r>
+            <a:r>
+              <a:rPr lang="en-US" sz="1400" dirty="0" smtClean="0">
+                <a:solidFill>
+                  <a:srgbClr val="000000"/>
+                </a:solidFill>
+                <a:latin typeface="Times New Roman"/>
+                <a:cs typeface="Times New Roman"/>
+              </a:rPr>
+              <a:t>tudy </a:t>
+            </a:r>
+            <a:r>
+              <a:rPr lang="en-US" sz="1400" dirty="0" smtClean="0">
+                <a:solidFill>
+                  <a:srgbClr val="000000"/>
+                </a:solidFill>
+                <a:latin typeface="Times New Roman"/>
+                <a:cs typeface="Times New Roman"/>
+              </a:rPr>
+              <a:t>management</a:t>
             </a:r>
           </a:p>
           <a:p>
@@ -3427,8 +3437,15 @@
                 <a:latin typeface="Times New Roman"/>
                 <a:cs typeface="Times New Roman"/>
               </a:rPr>
-              <a:t>REaDI Sense for Android</a:t>
-            </a:r>
+              <a:t>Android</a:t>
+            </a:r>
+            <a:endParaRPr lang="en-US" sz="1200" u="sng" dirty="0" smtClean="0">
+              <a:solidFill>
+                <a:srgbClr val="000000"/>
+              </a:solidFill>
+              <a:latin typeface="Times New Roman"/>
+              <a:cs typeface="Times New Roman"/>
+            </a:endParaRPr>
           </a:p>
           <a:p>
             <a:r>
@@ -3492,17 +3509,7 @@
                 <a:latin typeface="Times New Roman"/>
                 <a:cs typeface="Times New Roman"/>
               </a:rPr>
-              <a:t>for </a:t>
-            </a:r>
-            <a:r>
-              <a:rPr lang="en-US" sz="1200" dirty="0" smtClean="0">
-                <a:solidFill>
-                  <a:srgbClr val="000000"/>
-                </a:solidFill>
-                <a:latin typeface="Times New Roman"/>
-                <a:cs typeface="Times New Roman"/>
-              </a:rPr>
-              <a:t>accelerometer.</a:t>
+              <a:t>for accelerometer.</a:t>
             </a:r>
           </a:p>
           <a:p>
@@ -3566,15 +3573,22 @@
           <a:p>
             <a:pPr algn="ctr"/>
             <a:r>
-              <a:rPr lang="en-US" sz="1200" u="sng" dirty="0" smtClean="0">
+              <a:rPr lang="en-US" sz="1200" u="sng" dirty="0" err="1" smtClean="0">
                 <a:solidFill>
                   <a:srgbClr val="000000"/>
                 </a:solidFill>
                 <a:latin typeface="Times New Roman"/>
                 <a:cs typeface="Times New Roman"/>
               </a:rPr>
-              <a:t>REaDI Sense for iOS</a:t>
-            </a:r>
+              <a:t>iOS</a:t>
+            </a:r>
+            <a:endParaRPr lang="en-US" sz="1200" u="sng" dirty="0" smtClean="0">
+              <a:solidFill>
+                <a:srgbClr val="000000"/>
+              </a:solidFill>
+              <a:latin typeface="Times New Roman"/>
+              <a:cs typeface="Times New Roman"/>
+            </a:endParaRPr>
           </a:p>
           <a:p>
             <a:r>
@@ -3618,17 +3632,7 @@
                 <a:latin typeface="Times New Roman"/>
                 <a:cs typeface="Times New Roman"/>
               </a:rPr>
-              <a:t>library references</a:t>
-            </a:r>
-            <a:r>
-              <a:rPr lang="en-US" sz="1200" dirty="0" smtClean="0">
-                <a:solidFill>
-                  <a:srgbClr val="000000"/>
-                </a:solidFill>
-                <a:latin typeface="Times New Roman"/>
-                <a:cs typeface="Times New Roman"/>
-              </a:rPr>
-              <a:t>, e.g., to CMMotionManager accelerometer.</a:t>
+              <a:t>library references, e.g., to CMMotionManager accelerometer.</a:t>
             </a:r>
           </a:p>
           <a:p>
@@ -3851,13 +3855,6 @@
               </a:rPr>
               <a:t>and automated UI testing</a:t>
             </a:r>
-            <a:endParaRPr lang="en-US" sz="1400" dirty="0">
-              <a:solidFill>
-                <a:srgbClr val="000000"/>
-              </a:solidFill>
-              <a:latin typeface="Times New Roman"/>
-              <a:cs typeface="Times New Roman"/>
-            </a:endParaRPr>
           </a:p>
         </p:txBody>
       </p:sp>
